--- a/Owlympics/Resources/images/graphics.pptx
+++ b/Owlympics/Resources/images/graphics.pptx
@@ -3095,6 +3095,66 @@
           <a:chExt cx="0" cy="0"/>
         </a:xfrm>
       </p:grpSpPr>
+      <p:pic>
+        <p:nvPicPr>
+          <p:cNvPr id="20" name="Picture 19"/>
+          <p:cNvPicPr>
+            <a:picLocks noChangeAspect="1"/>
+          </p:cNvPicPr>
+          <p:nvPr/>
+        </p:nvPicPr>
+        <p:blipFill>
+          <a:blip r:embed="rId2">
+            <a:extLst>
+              <a:ext uri="{28A0092B-C50C-407E-A947-70E740481C1C}">
+                <a14:useLocalDpi xmlns:a14="http://schemas.microsoft.com/office/drawing/2010/main" val="0"/>
+              </a:ext>
+            </a:extLst>
+          </a:blip>
+          <a:stretch>
+            <a:fillRect/>
+          </a:stretch>
+        </p:blipFill>
+        <p:spPr>
+          <a:xfrm>
+            <a:off x="2032276" y="304626"/>
+            <a:ext cx="5130525" cy="6858000"/>
+          </a:xfrm>
+          <a:prstGeom prst="rect">
+            <a:avLst/>
+          </a:prstGeom>
+        </p:spPr>
+      </p:pic>
+      <p:pic>
+        <p:nvPicPr>
+          <p:cNvPr id="19" name="Picture 18"/>
+          <p:cNvPicPr>
+            <a:picLocks noChangeAspect="1"/>
+          </p:cNvPicPr>
+          <p:nvPr/>
+        </p:nvPicPr>
+        <p:blipFill>
+          <a:blip r:embed="rId3">
+            <a:extLst>
+              <a:ext uri="{28A0092B-C50C-407E-A947-70E740481C1C}">
+                <a14:useLocalDpi xmlns:a14="http://schemas.microsoft.com/office/drawing/2010/main" val="0"/>
+              </a:ext>
+            </a:extLst>
+          </a:blip>
+          <a:stretch>
+            <a:fillRect/>
+          </a:stretch>
+        </p:blipFill>
+        <p:spPr>
+          <a:xfrm>
+            <a:off x="-3733800" y="3402046"/>
+            <a:ext cx="4572000" cy="6858000"/>
+          </a:xfrm>
+          <a:prstGeom prst="rect">
+            <a:avLst/>
+          </a:prstGeom>
+        </p:spPr>
+      </p:pic>
       <p:sp>
         <p:nvSpPr>
           <p:cNvPr id="4" name="Rectangle 3"/>
@@ -3103,47 +3163,17 @@
         </p:nvSpPr>
         <p:spPr>
           <a:xfrm>
-            <a:off x="762000" y="381000"/>
+            <a:off x="-5613400" y="1913791"/>
             <a:ext cx="5638800" cy="6477000"/>
           </a:xfrm>
           <a:prstGeom prst="rect">
             <a:avLst/>
           </a:prstGeom>
-          <a:blipFill>
-            <a:blip r:embed="rId2">
-              <a:duotone>
-                <a:prstClr val="black"/>
-                <a:schemeClr val="tx2">
-                  <a:tint val="45000"/>
-                  <a:satMod val="400000"/>
-                </a:schemeClr>
-              </a:duotone>
-              <a:extLst>
-                <a:ext uri="{BEBA8EAE-BF5A-486C-A8C5-ECC9F3942E4B}">
-                  <a14:imgProps xmlns:a14="http://schemas.microsoft.com/office/drawing/2010/main">
-                    <a14:imgLayer r:embed="rId3">
-                      <a14:imgEffect>
-                        <a14:artisticPastelsSmooth scaling="32"/>
-                      </a14:imgEffect>
-                      <a14:imgEffect>
-                        <a14:sharpenSoften amount="88000"/>
-                      </a14:imgEffect>
-                      <a14:imgEffect>
-                        <a14:colorTemperature colorTemp="8500"/>
-                      </a14:imgEffect>
-                      <a14:imgEffect>
-                        <a14:saturation sat="250000"/>
-                      </a14:imgEffect>
-                      <a14:imgEffect>
-                        <a14:brightnessContrast bright="-43000" contrast="8000"/>
-                      </a14:imgEffect>
-                    </a14:imgLayer>
-                  </a14:imgProps>
-                </a:ext>
-              </a:extLst>
-            </a:blip>
-            <a:tile tx="0" ty="0" sx="100000" sy="100000" flip="none" algn="tl"/>
-          </a:blipFill>
+          <a:solidFill>
+            <a:schemeClr val="tx2">
+              <a:lumMod val="50000"/>
+            </a:schemeClr>
+          </a:solidFill>
           <a:ln>
             <a:noFill/>
           </a:ln>
@@ -3175,22 +3205,404 @@
       </p:sp>
       <p:sp>
         <p:nvSpPr>
+          <p:cNvPr id="13" name="Rounded Rectangle 12"/>
+          <p:cNvSpPr/>
+          <p:nvPr/>
+        </p:nvSpPr>
+        <p:spPr>
+          <a:xfrm>
+            <a:off x="8763000" y="4426089"/>
+            <a:ext cx="2017609" cy="1030126"/>
+          </a:xfrm>
+          <a:prstGeom prst="roundRect">
+            <a:avLst/>
+          </a:prstGeom>
+          <a:gradFill flip="none" rotWithShape="1">
+            <a:gsLst>
+              <a:gs pos="0">
+                <a:srgbClr val="376092">
+                  <a:shade val="30000"/>
+                  <a:satMod val="115000"/>
+                </a:srgbClr>
+              </a:gs>
+              <a:gs pos="50000">
+                <a:srgbClr val="376092">
+                  <a:shade val="67500"/>
+                  <a:satMod val="115000"/>
+                </a:srgbClr>
+              </a:gs>
+              <a:gs pos="100000">
+                <a:srgbClr val="376092">
+                  <a:shade val="100000"/>
+                  <a:satMod val="115000"/>
+                </a:srgbClr>
+              </a:gs>
+            </a:gsLst>
+            <a:lin ang="5400000" scaled="1"/>
+            <a:tileRect/>
+          </a:gradFill>
+          <a:ln w="38100">
+            <a:solidFill>
+              <a:schemeClr val="bg1"/>
+            </a:solidFill>
+          </a:ln>
+        </p:spPr>
+        <p:style>
+          <a:lnRef idx="2">
+            <a:schemeClr val="accent1">
+              <a:shade val="50000"/>
+            </a:schemeClr>
+          </a:lnRef>
+          <a:fillRef idx="1">
+            <a:schemeClr val="accent1"/>
+          </a:fillRef>
+          <a:effectRef idx="0">
+            <a:schemeClr val="accent1"/>
+          </a:effectRef>
+          <a:fontRef idx="minor">
+            <a:schemeClr val="lt1"/>
+          </a:fontRef>
+        </p:style>
+        <p:txBody>
+          <a:bodyPr rtlCol="0" anchor="ctr"/>
+          <a:lstStyle/>
+          <a:p>
+            <a:pPr algn="ctr"/>
+            <a:endParaRPr lang="en-US"/>
+          </a:p>
+        </p:txBody>
+      </p:sp>
+      <p:pic>
+        <p:nvPicPr>
+          <p:cNvPr id="14" name="Picture 13"/>
+          <p:cNvPicPr>
+            <a:picLocks noChangeAspect="1"/>
+          </p:cNvPicPr>
+          <p:nvPr/>
+        </p:nvPicPr>
+        <p:blipFill>
+          <a:blip r:embed="rId4">
+            <a:extLst>
+              <a:ext uri="{28A0092B-C50C-407E-A947-70E740481C1C}">
+                <a14:useLocalDpi xmlns:a14="http://schemas.microsoft.com/office/drawing/2010/main" val="0"/>
+              </a:ext>
+            </a:extLst>
+          </a:blip>
+          <a:stretch>
+            <a:fillRect/>
+          </a:stretch>
+        </p:blipFill>
+        <p:spPr>
+          <a:xfrm>
+            <a:off x="11201400" y="3402046"/>
+            <a:ext cx="2017609" cy="1024043"/>
+          </a:xfrm>
+          <a:prstGeom prst="rect">
+            <a:avLst/>
+          </a:prstGeom>
+        </p:spPr>
+      </p:pic>
+      <p:sp>
+        <p:nvSpPr>
           <p:cNvPr id="10" name="Oval 9"/>
           <p:cNvSpPr/>
           <p:nvPr/>
         </p:nvSpPr>
         <p:spPr>
           <a:xfrm>
-            <a:off x="1177636" y="2133600"/>
+            <a:off x="8360231" y="1542337"/>
+            <a:ext cx="1219200" cy="1182526"/>
+          </a:xfrm>
+          <a:prstGeom prst="ellipse">
+            <a:avLst/>
+          </a:prstGeom>
+          <a:gradFill flip="none" rotWithShape="1">
+            <a:gsLst>
+              <a:gs pos="0">
+                <a:schemeClr val="accent2">
+                  <a:lumMod val="75000"/>
+                  <a:shade val="30000"/>
+                  <a:satMod val="115000"/>
+                </a:schemeClr>
+              </a:gs>
+              <a:gs pos="50000">
+                <a:schemeClr val="accent2">
+                  <a:lumMod val="75000"/>
+                  <a:shade val="67500"/>
+                  <a:satMod val="115000"/>
+                </a:schemeClr>
+              </a:gs>
+              <a:gs pos="100000">
+                <a:schemeClr val="accent2">
+                  <a:lumMod val="75000"/>
+                  <a:shade val="100000"/>
+                  <a:satMod val="115000"/>
+                </a:schemeClr>
+              </a:gs>
+            </a:gsLst>
+            <a:lin ang="5400000" scaled="1"/>
+            <a:tileRect/>
+          </a:gradFill>
+          <a:ln w="38100">
+            <a:solidFill>
+              <a:schemeClr val="bg1"/>
+            </a:solidFill>
+          </a:ln>
+        </p:spPr>
+        <p:style>
+          <a:lnRef idx="2">
+            <a:schemeClr val="accent1">
+              <a:shade val="50000"/>
+            </a:schemeClr>
+          </a:lnRef>
+          <a:fillRef idx="1">
+            <a:schemeClr val="accent1"/>
+          </a:fillRef>
+          <a:effectRef idx="0">
+            <a:schemeClr val="accent1"/>
+          </a:effectRef>
+          <a:fontRef idx="minor">
+            <a:schemeClr val="lt1"/>
+          </a:fontRef>
+        </p:style>
+        <p:txBody>
+          <a:bodyPr rtlCol="0" anchor="ctr"/>
+          <a:lstStyle/>
+          <a:p>
+            <a:pPr algn="ctr"/>
+            <a:endParaRPr lang="en-US"/>
+          </a:p>
+        </p:txBody>
+      </p:sp>
+      <p:pic>
+        <p:nvPicPr>
+          <p:cNvPr id="5" name="Picture 4"/>
+          <p:cNvPicPr>
+            <a:picLocks noChangeAspect="1"/>
+          </p:cNvPicPr>
+          <p:nvPr/>
+        </p:nvPicPr>
+        <p:blipFill>
+          <a:blip r:embed="rId5">
+            <a:extLst>
+              <a:ext uri="{28A0092B-C50C-407E-A947-70E740481C1C}">
+                <a14:useLocalDpi xmlns:a14="http://schemas.microsoft.com/office/drawing/2010/main" val="0"/>
+              </a:ext>
+            </a:extLst>
+          </a:blip>
+          <a:stretch>
+            <a:fillRect/>
+          </a:stretch>
+        </p:blipFill>
+        <p:spPr>
+          <a:xfrm>
+            <a:off x="11887200" y="1542337"/>
+            <a:ext cx="1182526" cy="1182526"/>
+          </a:xfrm>
+          <a:prstGeom prst="rect">
+            <a:avLst/>
+          </a:prstGeom>
+        </p:spPr>
+      </p:pic>
+      <p:pic>
+        <p:nvPicPr>
+          <p:cNvPr id="6" name="Picture 5"/>
+          <p:cNvPicPr>
+            <a:picLocks noChangeAspect="1"/>
+          </p:cNvPicPr>
+          <p:nvPr/>
+        </p:nvPicPr>
+        <p:blipFill>
+          <a:blip r:embed="rId6">
+            <a:extLst>
+              <a:ext uri="{28A0092B-C50C-407E-A947-70E740481C1C}">
+                <a14:useLocalDpi xmlns:a14="http://schemas.microsoft.com/office/drawing/2010/main" val="0"/>
+              </a:ext>
+            </a:extLst>
+          </a:blip>
+          <a:stretch>
+            <a:fillRect/>
+          </a:stretch>
+        </p:blipFill>
+        <p:spPr>
+          <a:xfrm>
+            <a:off x="5334000" y="1368574"/>
+            <a:ext cx="1182526" cy="1182526"/>
+          </a:xfrm>
+          <a:prstGeom prst="rect">
+            <a:avLst/>
+          </a:prstGeom>
+        </p:spPr>
+      </p:pic>
+      <p:pic>
+        <p:nvPicPr>
+          <p:cNvPr id="7" name="Picture 6"/>
+          <p:cNvPicPr>
+            <a:picLocks noChangeAspect="1"/>
+          </p:cNvPicPr>
+          <p:nvPr/>
+        </p:nvPicPr>
+        <p:blipFill>
+          <a:blip r:embed="rId5">
+            <a:extLst>
+              <a:ext uri="{28A0092B-C50C-407E-A947-70E740481C1C}">
+                <a14:useLocalDpi xmlns:a14="http://schemas.microsoft.com/office/drawing/2010/main" val="0"/>
+              </a:ext>
+            </a:extLst>
+          </a:blip>
+          <a:stretch>
+            <a:fillRect/>
+          </a:stretch>
+        </p:blipFill>
+        <p:spPr>
+          <a:xfrm>
+            <a:off x="9936485" y="731265"/>
+            <a:ext cx="1182526" cy="1182526"/>
+          </a:xfrm>
+          <a:prstGeom prst="rect">
+            <a:avLst/>
+          </a:prstGeom>
+        </p:spPr>
+      </p:pic>
+      <p:pic>
+        <p:nvPicPr>
+          <p:cNvPr id="8" name="Picture 7"/>
+          <p:cNvPicPr>
+            <a:picLocks noChangeAspect="1"/>
+          </p:cNvPicPr>
+          <p:nvPr/>
+        </p:nvPicPr>
+        <p:blipFill>
+          <a:blip r:embed="rId7">
+            <a:duotone>
+              <a:schemeClr val="accent1">
+                <a:shade val="45000"/>
+                <a:satMod val="135000"/>
+              </a:schemeClr>
+              <a:prstClr val="white"/>
+            </a:duotone>
+            <a:extLst>
+              <a:ext uri="{28A0092B-C50C-407E-A947-70E740481C1C}">
+                <a14:useLocalDpi xmlns:a14="http://schemas.microsoft.com/office/drawing/2010/main" val="0"/>
+              </a:ext>
+            </a:extLst>
+          </a:blip>
+          <a:stretch>
+            <a:fillRect/>
+          </a:stretch>
+        </p:blipFill>
+        <p:spPr>
+          <a:xfrm>
+            <a:off x="9929228" y="5943600"/>
+            <a:ext cx="1182526" cy="1182526"/>
+          </a:xfrm>
+          <a:prstGeom prst="rect">
+            <a:avLst/>
+          </a:prstGeom>
+          <a:ln>
+            <a:solidFill>
+              <a:schemeClr val="accent1">
+                <a:lumMod val="75000"/>
+              </a:schemeClr>
+            </a:solidFill>
+          </a:ln>
+        </p:spPr>
+      </p:pic>
+      <p:pic>
+        <p:nvPicPr>
+          <p:cNvPr id="9" name="Picture 8"/>
+          <p:cNvPicPr>
+            <a:picLocks noChangeAspect="1"/>
+          </p:cNvPicPr>
+          <p:nvPr/>
+        </p:nvPicPr>
+        <p:blipFill>
+          <a:blip r:embed="rId8">
+            <a:extLst>
+              <a:ext uri="{28A0092B-C50C-407E-A947-70E740481C1C}">
+                <a14:useLocalDpi xmlns:a14="http://schemas.microsoft.com/office/drawing/2010/main" val="0"/>
+              </a:ext>
+            </a:extLst>
+          </a:blip>
+          <a:stretch>
+            <a:fillRect/>
+          </a:stretch>
+        </p:blipFill>
+        <p:spPr>
+          <a:xfrm>
+            <a:off x="11869057" y="2551100"/>
+            <a:ext cx="1182526" cy="1182526"/>
+          </a:xfrm>
+          <a:prstGeom prst="rect">
+            <a:avLst/>
+          </a:prstGeom>
+        </p:spPr>
+      </p:pic>
+      <p:sp>
+        <p:nvSpPr>
+          <p:cNvPr id="11" name="Oval 10"/>
+          <p:cNvSpPr/>
+          <p:nvPr/>
+        </p:nvSpPr>
+        <p:spPr>
+          <a:xfrm>
+            <a:off x="2667000" y="2047874"/>
             <a:ext cx="1219200" cy="1182526"/>
           </a:xfrm>
           <a:prstGeom prst="ellipse">
             <a:avLst/>
           </a:prstGeom>
           <a:solidFill>
-            <a:schemeClr val="accent5">
-              <a:lumMod val="60000"/>
-              <a:lumOff val="40000"/>
+            <a:schemeClr val="bg1">
+              <a:lumMod val="65000"/>
+            </a:schemeClr>
+          </a:solidFill>
+          <a:ln w="38100">
+            <a:noFill/>
+          </a:ln>
+        </p:spPr>
+        <p:style>
+          <a:lnRef idx="2">
+            <a:schemeClr val="accent1">
+              <a:shade val="50000"/>
+            </a:schemeClr>
+          </a:lnRef>
+          <a:fillRef idx="1">
+            <a:schemeClr val="accent1"/>
+          </a:fillRef>
+          <a:effectRef idx="0">
+            <a:schemeClr val="accent1"/>
+          </a:effectRef>
+          <a:fontRef idx="minor">
+            <a:schemeClr val="lt1"/>
+          </a:fontRef>
+        </p:style>
+        <p:txBody>
+          <a:bodyPr rtlCol="0" anchor="ctr"/>
+          <a:lstStyle/>
+          <a:p>
+            <a:pPr algn="ctr"/>
+            <a:endParaRPr lang="en-US"/>
+          </a:p>
+        </p:txBody>
+      </p:sp>
+      <p:sp>
+        <p:nvSpPr>
+          <p:cNvPr id="12" name="Oval 11"/>
+          <p:cNvSpPr/>
+          <p:nvPr/>
+        </p:nvSpPr>
+        <p:spPr>
+          <a:xfrm>
+            <a:off x="10379693" y="2505054"/>
+            <a:ext cx="1219200" cy="1182526"/>
+          </a:xfrm>
+          <a:prstGeom prst="ellipse">
+            <a:avLst/>
+          </a:prstGeom>
+          <a:solidFill>
+            <a:schemeClr val="bg2">
+              <a:lumMod val="75000"/>
             </a:schemeClr>
           </a:solidFill>
           <a:ln w="38100">
@@ -3224,180 +3636,50 @@
           </a:p>
         </p:txBody>
       </p:sp>
-      <p:pic>
-        <p:nvPicPr>
-          <p:cNvPr id="5" name="Picture 4"/>
-          <p:cNvPicPr>
-            <a:picLocks noChangeAspect="1"/>
-          </p:cNvPicPr>
+      <p:sp>
+        <p:nvSpPr>
+          <p:cNvPr id="17" name="Oval 16"/>
+          <p:cNvSpPr/>
           <p:nvPr/>
-        </p:nvPicPr>
-        <p:blipFill>
-          <a:blip r:embed="rId4">
-            <a:extLst>
-              <a:ext uri="{28A0092B-C50C-407E-A947-70E740481C1C}">
-                <a14:useLocalDpi xmlns:a14="http://schemas.microsoft.com/office/drawing/2010/main" val="0"/>
-              </a:ext>
-            </a:extLst>
-          </a:blip>
-          <a:stretch>
-            <a:fillRect/>
-          </a:stretch>
-        </p:blipFill>
+        </p:nvSpPr>
         <p:spPr>
           <a:xfrm>
-            <a:off x="4572000" y="2285593"/>
-            <a:ext cx="1182526" cy="1182526"/>
-          </a:xfrm>
-          <a:prstGeom prst="rect">
-            <a:avLst/>
-          </a:prstGeom>
-        </p:spPr>
-      </p:pic>
-      <p:pic>
-        <p:nvPicPr>
-          <p:cNvPr id="6" name="Picture 5"/>
-          <p:cNvPicPr>
-            <a:picLocks noChangeAspect="1"/>
-          </p:cNvPicPr>
-          <p:nvPr/>
-        </p:nvPicPr>
-        <p:blipFill>
-          <a:blip r:embed="rId5">
-            <a:extLst>
-              <a:ext uri="{28A0092B-C50C-407E-A947-70E740481C1C}">
-                <a14:useLocalDpi xmlns:a14="http://schemas.microsoft.com/office/drawing/2010/main" val="0"/>
-              </a:ext>
-            </a:extLst>
-          </a:blip>
-          <a:stretch>
-            <a:fillRect/>
-          </a:stretch>
-        </p:blipFill>
-        <p:spPr>
-          <a:xfrm>
-            <a:off x="2667000" y="2285593"/>
-            <a:ext cx="1182526" cy="1182526"/>
-          </a:xfrm>
-          <a:prstGeom prst="rect">
-            <a:avLst/>
-          </a:prstGeom>
-        </p:spPr>
-      </p:pic>
-      <p:pic>
-        <p:nvPicPr>
-          <p:cNvPr id="7" name="Picture 6"/>
-          <p:cNvPicPr>
-            <a:picLocks noChangeAspect="1"/>
-          </p:cNvPicPr>
-          <p:nvPr/>
-        </p:nvPicPr>
-        <p:blipFill>
-          <a:blip r:embed="rId4">
-            <a:extLst>
-              <a:ext uri="{28A0092B-C50C-407E-A947-70E740481C1C}">
-                <a14:useLocalDpi xmlns:a14="http://schemas.microsoft.com/office/drawing/2010/main" val="0"/>
-              </a:ext>
-            </a:extLst>
-          </a:blip>
-          <a:stretch>
-            <a:fillRect/>
-          </a:stretch>
-        </p:blipFill>
-        <p:spPr>
-          <a:xfrm>
-            <a:off x="2667000" y="3810000"/>
-            <a:ext cx="1182526" cy="1182526"/>
-          </a:xfrm>
-          <a:prstGeom prst="rect">
-            <a:avLst/>
-          </a:prstGeom>
-        </p:spPr>
-      </p:pic>
-      <p:pic>
-        <p:nvPicPr>
-          <p:cNvPr id="8" name="Picture 7"/>
-          <p:cNvPicPr>
-            <a:picLocks noChangeAspect="1"/>
-          </p:cNvPicPr>
-          <p:nvPr/>
-        </p:nvPicPr>
-        <p:blipFill>
-          <a:blip r:embed="rId6">
-            <a:duotone>
-              <a:schemeClr val="accent1">
-                <a:shade val="45000"/>
-                <a:satMod val="135000"/>
-              </a:schemeClr>
-              <a:prstClr val="white"/>
-            </a:duotone>
-            <a:extLst>
-              <a:ext uri="{28A0092B-C50C-407E-A947-70E740481C1C}">
-                <a14:useLocalDpi xmlns:a14="http://schemas.microsoft.com/office/drawing/2010/main" val="0"/>
-              </a:ext>
-            </a:extLst>
-          </a:blip>
-          <a:stretch>
-            <a:fillRect/>
-          </a:stretch>
-        </p:blipFill>
-        <p:spPr>
-          <a:xfrm>
-            <a:off x="2895600" y="665018"/>
-            <a:ext cx="1182526" cy="1182526"/>
-          </a:xfrm>
-          <a:prstGeom prst="rect">
-            <a:avLst/>
-          </a:prstGeom>
-        </p:spPr>
-      </p:pic>
-      <p:pic>
-        <p:nvPicPr>
-          <p:cNvPr id="9" name="Picture 8"/>
-          <p:cNvPicPr>
-            <a:picLocks noChangeAspect="1"/>
-          </p:cNvPicPr>
-          <p:nvPr/>
-        </p:nvPicPr>
-        <p:blipFill>
-          <a:blip r:embed="rId7">
-            <a:extLst>
-              <a:ext uri="{28A0092B-C50C-407E-A947-70E740481C1C}">
-                <a14:useLocalDpi xmlns:a14="http://schemas.microsoft.com/office/drawing/2010/main" val="0"/>
-              </a:ext>
-            </a:extLst>
-          </a:blip>
-          <a:stretch>
-            <a:fillRect/>
-          </a:stretch>
-        </p:blipFill>
-        <p:spPr>
-          <a:xfrm>
-            <a:off x="2667000" y="5257800"/>
-            <a:ext cx="1182526" cy="1182526"/>
-          </a:xfrm>
-          <a:prstGeom prst="rect">
-            <a:avLst/>
-          </a:prstGeom>
-        </p:spPr>
-      </p:pic>
-      <p:sp>
-        <p:nvSpPr>
-          <p:cNvPr id="11" name="Oval 10"/>
-          <p:cNvSpPr/>
-          <p:nvPr/>
-        </p:nvSpPr>
-        <p:spPr>
-          <a:xfrm>
-            <a:off x="1177636" y="3823855"/>
+            <a:off x="8382001" y="5943600"/>
             <a:ext cx="1219200" cy="1182526"/>
           </a:xfrm>
           <a:prstGeom prst="ellipse">
             <a:avLst/>
           </a:prstGeom>
-          <a:solidFill>
-            <a:srgbClr val="79FFA6"/>
-          </a:solidFill>
+          <a:gradFill flip="none" rotWithShape="1">
+            <a:gsLst>
+              <a:gs pos="0">
+                <a:schemeClr val="accent1">
+                  <a:lumMod val="60000"/>
+                  <a:lumOff val="40000"/>
+                  <a:shade val="30000"/>
+                  <a:satMod val="115000"/>
+                </a:schemeClr>
+              </a:gs>
+              <a:gs pos="50000">
+                <a:schemeClr val="accent1">
+                  <a:lumMod val="60000"/>
+                  <a:lumOff val="40000"/>
+                  <a:shade val="67500"/>
+                  <a:satMod val="115000"/>
+                </a:schemeClr>
+              </a:gs>
+              <a:gs pos="100000">
+                <a:schemeClr val="accent1">
+                  <a:lumMod val="60000"/>
+                  <a:lumOff val="40000"/>
+                  <a:shade val="100000"/>
+                  <a:satMod val="115000"/>
+                </a:schemeClr>
+              </a:gs>
+            </a:gsLst>
+            <a:lin ang="5400000" scaled="1"/>
+            <a:tileRect/>
+          </a:gradFill>
           <a:ln w="38100">
             <a:solidFill>
               <a:schemeClr val="bg1"/>
@@ -3431,27 +3713,25 @@
       </p:sp>
       <p:sp>
         <p:nvSpPr>
-          <p:cNvPr id="12" name="Oval 11"/>
+          <p:cNvPr id="18" name="Rounded Rectangle 17"/>
           <p:cNvSpPr/>
           <p:nvPr/>
         </p:nvSpPr>
         <p:spPr>
           <a:xfrm>
-            <a:off x="1177636" y="5211754"/>
-            <a:ext cx="1219200" cy="1182526"/>
+            <a:off x="4597538" y="3733626"/>
+            <a:ext cx="2017609" cy="1030126"/>
           </a:xfrm>
-          <a:prstGeom prst="ellipse">
+          <a:prstGeom prst="roundRect">
             <a:avLst/>
           </a:prstGeom>
           <a:solidFill>
-            <a:schemeClr val="bg2">
-              <a:lumMod val="75000"/>
+            <a:schemeClr val="bg1">
+              <a:lumMod val="65000"/>
             </a:schemeClr>
           </a:solidFill>
           <a:ln w="38100">
-            <a:solidFill>
-              <a:schemeClr val="bg1"/>
-            </a:solidFill>
+            <a:noFill/>
           </a:ln>
         </p:spPr>
         <p:style>
